--- a/Chap/Prog02/Presentations/Lists.pptx
+++ b/Chap/Prog02/Presentations/Lists.pptx
@@ -293,7 +293,7 @@
           <a:p>
             <a:fld id="{E15B7D8E-2A20-4C0E-991C-872DBB7459A8}" type="datetimeFigureOut">
               <a:rPr lang="da-DK" smtClean="0"/>
-              <a:t>11-08-2022</a:t>
+              <a:t>24-08-2024</a:t>
             </a:fld>
             <a:endParaRPr lang="da-DK"/>
           </a:p>
@@ -351,6 +351,18 @@
   <p:clrMapOvr>
     <a:masterClrMapping/>
   </p:clrMapOvr>
+  <mc:AlternateContent xmlns:mc="http://schemas.openxmlformats.org/markup-compatibility/2006">
+    <mc:Choice xmlns:p14="http://schemas.microsoft.com/office/powerpoint/2010/main" Requires="p14">
+      <p:transition spd="med" p14:dur="700">
+        <p:fade/>
+      </p:transition>
+    </mc:Choice>
+    <mc:Fallback>
+      <p:transition spd="med">
+        <p:fade/>
+      </p:transition>
+    </mc:Fallback>
+  </mc:AlternateContent>
 </p:sldLayout>
 </file>
 
@@ -461,7 +473,7 @@
           <a:p>
             <a:fld id="{E15B7D8E-2A20-4C0E-991C-872DBB7459A8}" type="datetimeFigureOut">
               <a:rPr lang="da-DK" smtClean="0"/>
-              <a:t>11-08-2022</a:t>
+              <a:t>24-08-2024</a:t>
             </a:fld>
             <a:endParaRPr lang="da-DK"/>
           </a:p>
@@ -519,6 +531,18 @@
   <p:clrMapOvr>
     <a:masterClrMapping/>
   </p:clrMapOvr>
+  <mc:AlternateContent xmlns:mc="http://schemas.openxmlformats.org/markup-compatibility/2006">
+    <mc:Choice xmlns:p14="http://schemas.microsoft.com/office/powerpoint/2010/main" Requires="p14">
+      <p:transition spd="med" p14:dur="700">
+        <p:fade/>
+      </p:transition>
+    </mc:Choice>
+    <mc:Fallback>
+      <p:transition spd="med">
+        <p:fade/>
+      </p:transition>
+    </mc:Fallback>
+  </mc:AlternateContent>
 </p:sldLayout>
 </file>
 
@@ -639,7 +663,7 @@
           <a:p>
             <a:fld id="{E15B7D8E-2A20-4C0E-991C-872DBB7459A8}" type="datetimeFigureOut">
               <a:rPr lang="da-DK" smtClean="0"/>
-              <a:t>11-08-2022</a:t>
+              <a:t>24-08-2024</a:t>
             </a:fld>
             <a:endParaRPr lang="da-DK"/>
           </a:p>
@@ -697,6 +721,18 @@
   <p:clrMapOvr>
     <a:masterClrMapping/>
   </p:clrMapOvr>
+  <mc:AlternateContent xmlns:mc="http://schemas.openxmlformats.org/markup-compatibility/2006">
+    <mc:Choice xmlns:p14="http://schemas.microsoft.com/office/powerpoint/2010/main" Requires="p14">
+      <p:transition spd="med" p14:dur="700">
+        <p:fade/>
+      </p:transition>
+    </mc:Choice>
+    <mc:Fallback>
+      <p:transition spd="med">
+        <p:fade/>
+      </p:transition>
+    </mc:Fallback>
+  </mc:AlternateContent>
 </p:sldLayout>
 </file>
 
@@ -807,7 +843,7 @@
           <a:p>
             <a:fld id="{E15B7D8E-2A20-4C0E-991C-872DBB7459A8}" type="datetimeFigureOut">
               <a:rPr lang="da-DK" smtClean="0"/>
-              <a:t>11-08-2022</a:t>
+              <a:t>24-08-2024</a:t>
             </a:fld>
             <a:endParaRPr lang="da-DK"/>
           </a:p>
@@ -865,6 +901,18 @@
   <p:clrMapOvr>
     <a:masterClrMapping/>
   </p:clrMapOvr>
+  <mc:AlternateContent xmlns:mc="http://schemas.openxmlformats.org/markup-compatibility/2006">
+    <mc:Choice xmlns:p14="http://schemas.microsoft.com/office/powerpoint/2010/main" Requires="p14">
+      <p:transition spd="med" p14:dur="700">
+        <p:fade/>
+      </p:transition>
+    </mc:Choice>
+    <mc:Fallback>
+      <p:transition spd="med">
+        <p:fade/>
+      </p:transition>
+    </mc:Fallback>
+  </mc:AlternateContent>
 </p:sldLayout>
 </file>
 
@@ -1052,7 +1100,7 @@
           <a:p>
             <a:fld id="{E15B7D8E-2A20-4C0E-991C-872DBB7459A8}" type="datetimeFigureOut">
               <a:rPr lang="da-DK" smtClean="0"/>
-              <a:t>11-08-2022</a:t>
+              <a:t>24-08-2024</a:t>
             </a:fld>
             <a:endParaRPr lang="da-DK"/>
           </a:p>
@@ -1110,6 +1158,18 @@
   <p:clrMapOvr>
     <a:masterClrMapping/>
   </p:clrMapOvr>
+  <mc:AlternateContent xmlns:mc="http://schemas.openxmlformats.org/markup-compatibility/2006">
+    <mc:Choice xmlns:p14="http://schemas.microsoft.com/office/powerpoint/2010/main" Requires="p14">
+      <p:transition spd="med" p14:dur="700">
+        <p:fade/>
+      </p:transition>
+    </mc:Choice>
+    <mc:Fallback>
+      <p:transition spd="med">
+        <p:fade/>
+      </p:transition>
+    </mc:Fallback>
+  </mc:AlternateContent>
 </p:sldLayout>
 </file>
 
@@ -1281,7 +1341,7 @@
           <a:p>
             <a:fld id="{E15B7D8E-2A20-4C0E-991C-872DBB7459A8}" type="datetimeFigureOut">
               <a:rPr lang="da-DK" smtClean="0"/>
-              <a:t>11-08-2022</a:t>
+              <a:t>24-08-2024</a:t>
             </a:fld>
             <a:endParaRPr lang="da-DK"/>
           </a:p>
@@ -1339,6 +1399,18 @@
   <p:clrMapOvr>
     <a:masterClrMapping/>
   </p:clrMapOvr>
+  <mc:AlternateContent xmlns:mc="http://schemas.openxmlformats.org/markup-compatibility/2006">
+    <mc:Choice xmlns:p14="http://schemas.microsoft.com/office/powerpoint/2010/main" Requires="p14">
+      <p:transition spd="med" p14:dur="700">
+        <p:fade/>
+      </p:transition>
+    </mc:Choice>
+    <mc:Fallback>
+      <p:transition spd="med">
+        <p:fade/>
+      </p:transition>
+    </mc:Fallback>
+  </mc:AlternateContent>
 </p:sldLayout>
 </file>
 
@@ -1645,7 +1717,7 @@
           <a:p>
             <a:fld id="{E15B7D8E-2A20-4C0E-991C-872DBB7459A8}" type="datetimeFigureOut">
               <a:rPr lang="da-DK" smtClean="0"/>
-              <a:t>11-08-2022</a:t>
+              <a:t>24-08-2024</a:t>
             </a:fld>
             <a:endParaRPr lang="da-DK"/>
           </a:p>
@@ -1703,6 +1775,18 @@
   <p:clrMapOvr>
     <a:masterClrMapping/>
   </p:clrMapOvr>
+  <mc:AlternateContent xmlns:mc="http://schemas.openxmlformats.org/markup-compatibility/2006">
+    <mc:Choice xmlns:p14="http://schemas.microsoft.com/office/powerpoint/2010/main" Requires="p14">
+      <p:transition spd="med" p14:dur="700">
+        <p:fade/>
+      </p:transition>
+    </mc:Choice>
+    <mc:Fallback>
+      <p:transition spd="med">
+        <p:fade/>
+      </p:transition>
+    </mc:Fallback>
+  </mc:AlternateContent>
 </p:sldLayout>
 </file>
 
@@ -1762,7 +1846,7 @@
           <a:p>
             <a:fld id="{E15B7D8E-2A20-4C0E-991C-872DBB7459A8}" type="datetimeFigureOut">
               <a:rPr lang="da-DK" smtClean="0"/>
-              <a:t>11-08-2022</a:t>
+              <a:t>24-08-2024</a:t>
             </a:fld>
             <a:endParaRPr lang="da-DK"/>
           </a:p>
@@ -1820,6 +1904,18 @@
   <p:clrMapOvr>
     <a:masterClrMapping/>
   </p:clrMapOvr>
+  <mc:AlternateContent xmlns:mc="http://schemas.openxmlformats.org/markup-compatibility/2006">
+    <mc:Choice xmlns:p14="http://schemas.microsoft.com/office/powerpoint/2010/main" Requires="p14">
+      <p:transition spd="med" p14:dur="700">
+        <p:fade/>
+      </p:transition>
+    </mc:Choice>
+    <mc:Fallback>
+      <p:transition spd="med">
+        <p:fade/>
+      </p:transition>
+    </mc:Fallback>
+  </mc:AlternateContent>
 </p:sldLayout>
 </file>
 
@@ -1857,7 +1953,7 @@
           <a:p>
             <a:fld id="{E15B7D8E-2A20-4C0E-991C-872DBB7459A8}" type="datetimeFigureOut">
               <a:rPr lang="da-DK" smtClean="0"/>
-              <a:t>11-08-2022</a:t>
+              <a:t>24-08-2024</a:t>
             </a:fld>
             <a:endParaRPr lang="da-DK"/>
           </a:p>
@@ -1915,6 +2011,18 @@
   <p:clrMapOvr>
     <a:masterClrMapping/>
   </p:clrMapOvr>
+  <mc:AlternateContent xmlns:mc="http://schemas.openxmlformats.org/markup-compatibility/2006">
+    <mc:Choice xmlns:p14="http://schemas.microsoft.com/office/powerpoint/2010/main" Requires="p14">
+      <p:transition spd="med" p14:dur="700">
+        <p:fade/>
+      </p:transition>
+    </mc:Choice>
+    <mc:Fallback>
+      <p:transition spd="med">
+        <p:fade/>
+      </p:transition>
+    </mc:Fallback>
+  </mc:AlternateContent>
 </p:sldLayout>
 </file>
 
@@ -2132,7 +2240,7 @@
           <a:p>
             <a:fld id="{E15B7D8E-2A20-4C0E-991C-872DBB7459A8}" type="datetimeFigureOut">
               <a:rPr lang="da-DK" smtClean="0"/>
-              <a:t>11-08-2022</a:t>
+              <a:t>24-08-2024</a:t>
             </a:fld>
             <a:endParaRPr lang="da-DK"/>
           </a:p>
@@ -2190,6 +2298,18 @@
   <p:clrMapOvr>
     <a:masterClrMapping/>
   </p:clrMapOvr>
+  <mc:AlternateContent xmlns:mc="http://schemas.openxmlformats.org/markup-compatibility/2006">
+    <mc:Choice xmlns:p14="http://schemas.microsoft.com/office/powerpoint/2010/main" Requires="p14">
+      <p:transition spd="med" p14:dur="700">
+        <p:fade/>
+      </p:transition>
+    </mc:Choice>
+    <mc:Fallback>
+      <p:transition spd="med">
+        <p:fade/>
+      </p:transition>
+    </mc:Fallback>
+  </mc:AlternateContent>
 </p:sldLayout>
 </file>
 
@@ -2384,7 +2504,7 @@
           <a:p>
             <a:fld id="{E15B7D8E-2A20-4C0E-991C-872DBB7459A8}" type="datetimeFigureOut">
               <a:rPr lang="da-DK" smtClean="0"/>
-              <a:t>11-08-2022</a:t>
+              <a:t>24-08-2024</a:t>
             </a:fld>
             <a:endParaRPr lang="da-DK"/>
           </a:p>
@@ -2442,6 +2562,18 @@
   <p:clrMapOvr>
     <a:masterClrMapping/>
   </p:clrMapOvr>
+  <mc:AlternateContent xmlns:mc="http://schemas.openxmlformats.org/markup-compatibility/2006">
+    <mc:Choice xmlns:p14="http://schemas.microsoft.com/office/powerpoint/2010/main" Requires="p14">
+      <p:transition spd="med" p14:dur="700">
+        <p:fade/>
+      </p:transition>
+    </mc:Choice>
+    <mc:Fallback>
+      <p:transition spd="med">
+        <p:fade/>
+      </p:transition>
+    </mc:Fallback>
+  </mc:AlternateContent>
 </p:sldLayout>
 </file>
 
@@ -2595,7 +2727,7 @@
           <a:p>
             <a:fld id="{E15B7D8E-2A20-4C0E-991C-872DBB7459A8}" type="datetimeFigureOut">
               <a:rPr lang="da-DK" smtClean="0"/>
-              <a:t>11-08-2022</a:t>
+              <a:t>24-08-2024</a:t>
             </a:fld>
             <a:endParaRPr lang="da-DK"/>
           </a:p>
@@ -2700,6 +2832,18 @@
     <p:sldLayoutId id="2147483658" r:id="rId10"/>
     <p:sldLayoutId id="2147483659" r:id="rId11"/>
   </p:sldLayoutIdLst>
+  <mc:AlternateContent xmlns:mc="http://schemas.openxmlformats.org/markup-compatibility/2006">
+    <mc:Choice xmlns:p14="http://schemas.microsoft.com/office/powerpoint/2010/main" Requires="p14">
+      <p:transition spd="med" p14:dur="700">
+        <p:fade/>
+      </p:transition>
+    </mc:Choice>
+    <mc:Fallback>
+      <p:transition spd="med">
+        <p:fade/>
+      </p:transition>
+    </mc:Fallback>
+  </mc:AlternateContent>
   <p:txStyles>
     <p:titleStyle>
       <a:lvl1pPr algn="l" defTabSz="914400" rtl="0" eaLnBrk="1" latinLnBrk="0" hangingPunct="1">
@@ -3052,6 +3196,18 @@
   <p:clrMapOvr>
     <a:masterClrMapping/>
   </p:clrMapOvr>
+  <mc:AlternateContent xmlns:mc="http://schemas.openxmlformats.org/markup-compatibility/2006">
+    <mc:Choice xmlns:p14="http://schemas.microsoft.com/office/powerpoint/2010/main" Requires="p14">
+      <p:transition spd="med" p14:dur="700">
+        <p:fade/>
+      </p:transition>
+    </mc:Choice>
+    <mc:Fallback>
+      <p:transition spd="med">
+        <p:fade/>
+      </p:transition>
+    </mc:Fallback>
+  </mc:AlternateContent>
 </p:sld>
 </file>
 
@@ -3158,13 +3314,13 @@
   <p:clrMapOvr>
     <a:masterClrMapping/>
   </p:clrMapOvr>
-  <mc:AlternateContent xmlns:mc="http://schemas.openxmlformats.org/markup-compatibility/2006" xmlns:p14="http://schemas.microsoft.com/office/powerpoint/2010/main">
-    <mc:Choice Requires="p14">
+  <mc:AlternateContent xmlns:mc="http://schemas.openxmlformats.org/markup-compatibility/2006">
+    <mc:Choice xmlns:p14="http://schemas.microsoft.com/office/powerpoint/2010/main" Requires="p14">
       <p:transition spd="med" p14:dur="700">
         <p:fade/>
       </p:transition>
     </mc:Choice>
-    <mc:Fallback xmlns="">
+    <mc:Fallback>
       <p:transition spd="med">
         <p:fade/>
       </p:transition>
@@ -3282,13 +3438,13 @@
   <p:clrMapOvr>
     <a:masterClrMapping/>
   </p:clrMapOvr>
-  <mc:AlternateContent xmlns:mc="http://schemas.openxmlformats.org/markup-compatibility/2006" xmlns:p14="http://schemas.microsoft.com/office/powerpoint/2010/main">
-    <mc:Choice Requires="p14">
+  <mc:AlternateContent xmlns:mc="http://schemas.openxmlformats.org/markup-compatibility/2006">
+    <mc:Choice xmlns:p14="http://schemas.microsoft.com/office/powerpoint/2010/main" Requires="p14">
       <p:transition spd="med" p14:dur="700">
         <p:fade/>
       </p:transition>
     </mc:Choice>
-    <mc:Fallback xmlns="">
+    <mc:Fallback>
       <p:transition spd="med">
         <p:fade/>
       </p:transition>
@@ -3520,12 +3676,16 @@
   <p:clrMapOvr>
     <a:masterClrMapping/>
   </p:clrMapOvr>
-  <mc:AlternateContent xmlns:mc="http://schemas.openxmlformats.org/markup-compatibility/2006" xmlns:p14="http://schemas.microsoft.com/office/powerpoint/2010/main">
-    <mc:Choice Requires="p14">
-      <p:transition p14:dur="10"/>
+  <mc:AlternateContent xmlns:mc="http://schemas.openxmlformats.org/markup-compatibility/2006">
+    <mc:Choice xmlns:p14="http://schemas.microsoft.com/office/powerpoint/2010/main" Requires="p14">
+      <p:transition spd="med" p14:dur="700">
+        <p:fade/>
+      </p:transition>
     </mc:Choice>
-    <mc:Fallback xmlns="">
-      <p:transition/>
+    <mc:Fallback>
+      <p:transition spd="med">
+        <p:fade/>
+      </p:transition>
     </mc:Fallback>
   </mc:AlternateContent>
 </p:sld>
@@ -3920,13 +4080,13 @@
   <p:clrMapOvr>
     <a:masterClrMapping/>
   </p:clrMapOvr>
-  <mc:AlternateContent xmlns:mc="http://schemas.openxmlformats.org/markup-compatibility/2006" xmlns:p14="http://schemas.microsoft.com/office/powerpoint/2010/main">
-    <mc:Choice Requires="p14">
+  <mc:AlternateContent xmlns:mc="http://schemas.openxmlformats.org/markup-compatibility/2006">
+    <mc:Choice xmlns:p14="http://schemas.microsoft.com/office/powerpoint/2010/main" Requires="p14">
       <p:transition spd="med" p14:dur="700">
         <p:fade/>
       </p:transition>
     </mc:Choice>
-    <mc:Fallback xmlns="">
+    <mc:Fallback>
       <p:transition spd="med">
         <p:fade/>
       </p:transition>
@@ -4401,13 +4561,13 @@
   <p:clrMapOvr>
     <a:masterClrMapping/>
   </p:clrMapOvr>
-  <mc:AlternateContent xmlns:mc="http://schemas.openxmlformats.org/markup-compatibility/2006" xmlns:p14="http://schemas.microsoft.com/office/powerpoint/2010/main">
-    <mc:Choice Requires="p14">
+  <mc:AlternateContent xmlns:mc="http://schemas.openxmlformats.org/markup-compatibility/2006">
+    <mc:Choice xmlns:p14="http://schemas.microsoft.com/office/powerpoint/2010/main" Requires="p14">
       <p:transition spd="med" p14:dur="700">
         <p:fade/>
       </p:transition>
     </mc:Choice>
-    <mc:Fallback xmlns="">
+    <mc:Fallback>
       <p:transition spd="med">
         <p:fade/>
       </p:transition>
@@ -4832,13 +4992,13 @@
   <p:clrMapOvr>
     <a:masterClrMapping/>
   </p:clrMapOvr>
-  <mc:AlternateContent xmlns:mc="http://schemas.openxmlformats.org/markup-compatibility/2006" xmlns:p14="http://schemas.microsoft.com/office/powerpoint/2010/main">
-    <mc:Choice Requires="p14">
+  <mc:AlternateContent xmlns:mc="http://schemas.openxmlformats.org/markup-compatibility/2006">
+    <mc:Choice xmlns:p14="http://schemas.microsoft.com/office/powerpoint/2010/main" Requires="p14">
       <p:transition spd="med" p14:dur="700">
         <p:fade/>
       </p:transition>
     </mc:Choice>
-    <mc:Fallback xmlns="">
+    <mc:Fallback>
       <p:transition spd="med">
         <p:fade/>
       </p:transition>
@@ -5330,13 +5490,13 @@
   <p:clrMapOvr>
     <a:masterClrMapping/>
   </p:clrMapOvr>
-  <mc:AlternateContent xmlns:mc="http://schemas.openxmlformats.org/markup-compatibility/2006" xmlns:p14="http://schemas.microsoft.com/office/powerpoint/2010/main">
-    <mc:Choice Requires="p14">
+  <mc:AlternateContent xmlns:mc="http://schemas.openxmlformats.org/markup-compatibility/2006">
+    <mc:Choice xmlns:p14="http://schemas.microsoft.com/office/powerpoint/2010/main" Requires="p14">
       <p:transition spd="med" p14:dur="700">
         <p:fade/>
       </p:transition>
     </mc:Choice>
-    <mc:Fallback xmlns="">
+    <mc:Fallback>
       <p:transition spd="med">
         <p:fade/>
       </p:transition>
@@ -5741,6 +5901,18 @@
   <p:clrMapOvr>
     <a:masterClrMapping/>
   </p:clrMapOvr>
+  <mc:AlternateContent xmlns:mc="http://schemas.openxmlformats.org/markup-compatibility/2006">
+    <mc:Choice xmlns:p14="http://schemas.microsoft.com/office/powerpoint/2010/main" Requires="p14">
+      <p:transition spd="med" p14:dur="700">
+        <p:fade/>
+      </p:transition>
+    </mc:Choice>
+    <mc:Fallback>
+      <p:transition spd="med">
+        <p:fade/>
+      </p:transition>
+    </mc:Fallback>
+  </mc:AlternateContent>
 </p:sld>
 </file>
 
@@ -6355,13 +6527,13 @@
   <p:clrMapOvr>
     <a:masterClrMapping/>
   </p:clrMapOvr>
-  <mc:AlternateContent xmlns:mc="http://schemas.openxmlformats.org/markup-compatibility/2006" xmlns:p14="http://schemas.microsoft.com/office/powerpoint/2010/main">
-    <mc:Choice Requires="p14">
+  <mc:AlternateContent xmlns:mc="http://schemas.openxmlformats.org/markup-compatibility/2006">
+    <mc:Choice xmlns:p14="http://schemas.microsoft.com/office/powerpoint/2010/main" Requires="p14">
       <p:transition spd="med" p14:dur="700">
         <p:fade/>
       </p:transition>
     </mc:Choice>
-    <mc:Fallback xmlns="">
+    <mc:Fallback>
       <p:transition spd="med">
         <p:fade/>
       </p:transition>
@@ -6728,13 +6900,13 @@
   <p:clrMapOvr>
     <a:masterClrMapping/>
   </p:clrMapOvr>
-  <mc:AlternateContent xmlns:mc="http://schemas.openxmlformats.org/markup-compatibility/2006" xmlns:p14="http://schemas.microsoft.com/office/powerpoint/2010/main">
-    <mc:Choice Requires="p14">
+  <mc:AlternateContent xmlns:mc="http://schemas.openxmlformats.org/markup-compatibility/2006">
+    <mc:Choice xmlns:p14="http://schemas.microsoft.com/office/powerpoint/2010/main" Requires="p14">
       <p:transition spd="med" p14:dur="700">
         <p:fade/>
       </p:transition>
     </mc:Choice>
-    <mc:Fallback xmlns="">
+    <mc:Fallback>
       <p:transition spd="med">
         <p:fade/>
       </p:transition>
@@ -6917,6 +7089,18 @@
   <p:clrMapOvr>
     <a:masterClrMapping/>
   </p:clrMapOvr>
+  <mc:AlternateContent xmlns:mc="http://schemas.openxmlformats.org/markup-compatibility/2006">
+    <mc:Choice xmlns:p14="http://schemas.microsoft.com/office/powerpoint/2010/main" Requires="p14">
+      <p:transition spd="med" p14:dur="700">
+        <p:fade/>
+      </p:transition>
+    </mc:Choice>
+    <mc:Fallback>
+      <p:transition spd="med">
+        <p:fade/>
+      </p:transition>
+    </mc:Fallback>
+  </mc:AlternateContent>
 </p:sld>
 </file>
 
@@ -7417,13 +7601,13 @@
   <p:clrMapOvr>
     <a:masterClrMapping/>
   </p:clrMapOvr>
-  <mc:AlternateContent xmlns:mc="http://schemas.openxmlformats.org/markup-compatibility/2006" xmlns:p14="http://schemas.microsoft.com/office/powerpoint/2010/main">
-    <mc:Choice Requires="p14">
+  <mc:AlternateContent xmlns:mc="http://schemas.openxmlformats.org/markup-compatibility/2006">
+    <mc:Choice xmlns:p14="http://schemas.microsoft.com/office/powerpoint/2010/main" Requires="p14">
       <p:transition spd="med" p14:dur="700">
         <p:fade/>
       </p:transition>
     </mc:Choice>
-    <mc:Fallback xmlns="">
+    <mc:Fallback>
       <p:transition spd="med">
         <p:fade/>
       </p:transition>
@@ -7869,13 +8053,13 @@
   <p:clrMapOvr>
     <a:masterClrMapping/>
   </p:clrMapOvr>
-  <mc:AlternateContent xmlns:mc="http://schemas.openxmlformats.org/markup-compatibility/2006" xmlns:p14="http://schemas.microsoft.com/office/powerpoint/2010/main">
-    <mc:Choice Requires="p14">
+  <mc:AlternateContent xmlns:mc="http://schemas.openxmlformats.org/markup-compatibility/2006">
+    <mc:Choice xmlns:p14="http://schemas.microsoft.com/office/powerpoint/2010/main" Requires="p14">
       <p:transition spd="med" p14:dur="700">
         <p:fade/>
       </p:transition>
     </mc:Choice>
-    <mc:Fallback xmlns="">
+    <mc:Fallback>
       <p:transition spd="med">
         <p:fade/>
       </p:transition>
@@ -8295,6 +8479,18 @@
   <p:clrMapOvr>
     <a:masterClrMapping/>
   </p:clrMapOvr>
+  <mc:AlternateContent xmlns:mc="http://schemas.openxmlformats.org/markup-compatibility/2006">
+    <mc:Choice xmlns:p14="http://schemas.microsoft.com/office/powerpoint/2010/main" Requires="p14">
+      <p:transition spd="med" p14:dur="700">
+        <p:fade/>
+      </p:transition>
+    </mc:Choice>
+    <mc:Fallback>
+      <p:transition spd="med">
+        <p:fade/>
+      </p:transition>
+    </mc:Fallback>
+  </mc:AlternateContent>
 </p:sld>
 </file>
 
@@ -8472,6 +8668,18 @@
   <p:clrMapOvr>
     <a:masterClrMapping/>
   </p:clrMapOvr>
+  <mc:AlternateContent xmlns:mc="http://schemas.openxmlformats.org/markup-compatibility/2006">
+    <mc:Choice xmlns:p14="http://schemas.microsoft.com/office/powerpoint/2010/main" Requires="p14">
+      <p:transition spd="med" p14:dur="700">
+        <p:fade/>
+      </p:transition>
+    </mc:Choice>
+    <mc:Fallback>
+      <p:transition spd="med">
+        <p:fade/>
+      </p:transition>
+    </mc:Fallback>
+  </mc:AlternateContent>
 </p:sld>
 </file>
 
@@ -8589,6 +8797,18 @@
   <p:clrMapOvr>
     <a:masterClrMapping/>
   </p:clrMapOvr>
+  <mc:AlternateContent xmlns:mc="http://schemas.openxmlformats.org/markup-compatibility/2006">
+    <mc:Choice xmlns:p14="http://schemas.microsoft.com/office/powerpoint/2010/main" Requires="p14">
+      <p:transition spd="med" p14:dur="700">
+        <p:fade/>
+      </p:transition>
+    </mc:Choice>
+    <mc:Fallback>
+      <p:transition spd="med">
+        <p:fade/>
+      </p:transition>
+    </mc:Fallback>
+  </mc:AlternateContent>
 </p:sld>
 </file>
 
@@ -8726,6 +8946,18 @@
   <p:clrMapOvr>
     <a:masterClrMapping/>
   </p:clrMapOvr>
+  <mc:AlternateContent xmlns:mc="http://schemas.openxmlformats.org/markup-compatibility/2006">
+    <mc:Choice xmlns:p14="http://schemas.microsoft.com/office/powerpoint/2010/main" Requires="p14">
+      <p:transition spd="med" p14:dur="700">
+        <p:fade/>
+      </p:transition>
+    </mc:Choice>
+    <mc:Fallback>
+      <p:transition spd="med">
+        <p:fade/>
+      </p:transition>
+    </mc:Fallback>
+  </mc:AlternateContent>
 </p:sld>
 </file>
 
@@ -8905,6 +9137,18 @@
   <p:clrMapOvr>
     <a:masterClrMapping/>
   </p:clrMapOvr>
+  <mc:AlternateContent xmlns:mc="http://schemas.openxmlformats.org/markup-compatibility/2006">
+    <mc:Choice xmlns:p14="http://schemas.microsoft.com/office/powerpoint/2010/main" Requires="p14">
+      <p:transition spd="med" p14:dur="700">
+        <p:fade/>
+      </p:transition>
+    </mc:Choice>
+    <mc:Fallback>
+      <p:transition spd="med">
+        <p:fade/>
+      </p:transition>
+    </mc:Fallback>
+  </mc:AlternateContent>
 </p:sld>
 </file>
 
@@ -9293,13 +9537,13 @@
   <p:clrMapOvr>
     <a:masterClrMapping/>
   </p:clrMapOvr>
-  <mc:AlternateContent xmlns:mc="http://schemas.openxmlformats.org/markup-compatibility/2006" xmlns:p14="http://schemas.microsoft.com/office/powerpoint/2010/main">
-    <mc:Choice Requires="p14">
+  <mc:AlternateContent xmlns:mc="http://schemas.openxmlformats.org/markup-compatibility/2006">
+    <mc:Choice xmlns:p14="http://schemas.microsoft.com/office/powerpoint/2010/main" Requires="p14">
       <p:transition spd="med" p14:dur="700">
         <p:fade/>
       </p:transition>
     </mc:Choice>
-    <mc:Fallback xmlns="">
+    <mc:Fallback>
       <p:transition spd="med">
         <p:fade/>
       </p:transition>
@@ -9529,6 +9773,18 @@
   <p:clrMapOvr>
     <a:masterClrMapping/>
   </p:clrMapOvr>
+  <mc:AlternateContent xmlns:mc="http://schemas.openxmlformats.org/markup-compatibility/2006">
+    <mc:Choice xmlns:p14="http://schemas.microsoft.com/office/powerpoint/2010/main" Requires="p14">
+      <p:transition spd="med" p14:dur="700">
+        <p:fade/>
+      </p:transition>
+    </mc:Choice>
+    <mc:Fallback>
+      <p:transition spd="med">
+        <p:fade/>
+      </p:transition>
+    </mc:Fallback>
+  </mc:AlternateContent>
 </p:sld>
 </file>
 
@@ -9595,6 +9851,18 @@
   <p:clrMapOvr>
     <a:masterClrMapping/>
   </p:clrMapOvr>
+  <mc:AlternateContent xmlns:mc="http://schemas.openxmlformats.org/markup-compatibility/2006">
+    <mc:Choice xmlns:p14="http://schemas.microsoft.com/office/powerpoint/2010/main" Requires="p14">
+      <p:transition spd="med" p14:dur="700">
+        <p:fade/>
+      </p:transition>
+    </mc:Choice>
+    <mc:Fallback>
+      <p:transition spd="med">
+        <p:fade/>
+      </p:transition>
+    </mc:Fallback>
+  </mc:AlternateContent>
 </p:sld>
 </file>
 
@@ -9887,13 +10155,13 @@
   <p:clrMapOvr>
     <a:masterClrMapping/>
   </p:clrMapOvr>
-  <mc:AlternateContent xmlns:mc="http://schemas.openxmlformats.org/markup-compatibility/2006" xmlns:p14="http://schemas.microsoft.com/office/powerpoint/2010/main">
-    <mc:Choice Requires="p14">
+  <mc:AlternateContent xmlns:mc="http://schemas.openxmlformats.org/markup-compatibility/2006">
+    <mc:Choice xmlns:p14="http://schemas.microsoft.com/office/powerpoint/2010/main" Requires="p14">
       <p:transition spd="med" p14:dur="700">
         <p:fade/>
       </p:transition>
     </mc:Choice>
-    <mc:Fallback xmlns="">
+    <mc:Fallback>
       <p:transition spd="med">
         <p:fade/>
       </p:transition>
@@ -10058,13 +10326,13 @@
   <p:clrMapOvr>
     <a:masterClrMapping/>
   </p:clrMapOvr>
-  <mc:AlternateContent xmlns:mc="http://schemas.openxmlformats.org/markup-compatibility/2006" xmlns:p14="http://schemas.microsoft.com/office/powerpoint/2010/main">
-    <mc:Choice Requires="p14">
+  <mc:AlternateContent xmlns:mc="http://schemas.openxmlformats.org/markup-compatibility/2006">
+    <mc:Choice xmlns:p14="http://schemas.microsoft.com/office/powerpoint/2010/main" Requires="p14">
       <p:transition spd="med" p14:dur="700">
         <p:fade/>
       </p:transition>
     </mc:Choice>
-    <mc:Fallback xmlns="">
+    <mc:Fallback>
       <p:transition spd="med">
         <p:fade/>
       </p:transition>
@@ -10156,13 +10424,13 @@
   <p:clrMapOvr>
     <a:masterClrMapping/>
   </p:clrMapOvr>
-  <mc:AlternateContent xmlns:mc="http://schemas.openxmlformats.org/markup-compatibility/2006" xmlns:p14="http://schemas.microsoft.com/office/powerpoint/2010/main">
-    <mc:Choice Requires="p14">
+  <mc:AlternateContent xmlns:mc="http://schemas.openxmlformats.org/markup-compatibility/2006">
+    <mc:Choice xmlns:p14="http://schemas.microsoft.com/office/powerpoint/2010/main" Requires="p14">
       <p:transition spd="med" p14:dur="700">
         <p:fade/>
       </p:transition>
     </mc:Choice>
-    <mc:Fallback xmlns="">
+    <mc:Fallback>
       <p:transition spd="med">
         <p:fade/>
       </p:transition>
@@ -10254,13 +10522,13 @@
   <p:clrMapOvr>
     <a:masterClrMapping/>
   </p:clrMapOvr>
-  <mc:AlternateContent xmlns:mc="http://schemas.openxmlformats.org/markup-compatibility/2006" xmlns:p14="http://schemas.microsoft.com/office/powerpoint/2010/main">
-    <mc:Choice Requires="p14">
+  <mc:AlternateContent xmlns:mc="http://schemas.openxmlformats.org/markup-compatibility/2006">
+    <mc:Choice xmlns:p14="http://schemas.microsoft.com/office/powerpoint/2010/main" Requires="p14">
       <p:transition spd="med" p14:dur="700">
         <p:fade/>
       </p:transition>
     </mc:Choice>
-    <mc:Fallback xmlns="">
+    <mc:Fallback>
       <p:transition spd="med">
         <p:fade/>
       </p:transition>
@@ -10356,13 +10624,13 @@
   <p:clrMapOvr>
     <a:masterClrMapping/>
   </p:clrMapOvr>
-  <mc:AlternateContent xmlns:mc="http://schemas.openxmlformats.org/markup-compatibility/2006" xmlns:p14="http://schemas.microsoft.com/office/powerpoint/2010/main">
-    <mc:Choice Requires="p14">
+  <mc:AlternateContent xmlns:mc="http://schemas.openxmlformats.org/markup-compatibility/2006">
+    <mc:Choice xmlns:p14="http://schemas.microsoft.com/office/powerpoint/2010/main" Requires="p14">
       <p:transition spd="med" p14:dur="700">
         <p:fade/>
       </p:transition>
     </mc:Choice>
-    <mc:Fallback xmlns="">
+    <mc:Fallback>
       <p:transition spd="med">
         <p:fade/>
       </p:transition>
@@ -10454,13 +10722,13 @@
   <p:clrMapOvr>
     <a:masterClrMapping/>
   </p:clrMapOvr>
-  <mc:AlternateContent xmlns:mc="http://schemas.openxmlformats.org/markup-compatibility/2006" xmlns:p14="http://schemas.microsoft.com/office/powerpoint/2010/main">
-    <mc:Choice Requires="p14">
+  <mc:AlternateContent xmlns:mc="http://schemas.openxmlformats.org/markup-compatibility/2006">
+    <mc:Choice xmlns:p14="http://schemas.microsoft.com/office/powerpoint/2010/main" Requires="p14">
       <p:transition spd="med" p14:dur="700">
         <p:fade/>
       </p:transition>
     </mc:Choice>
-    <mc:Fallback xmlns="">
+    <mc:Fallback>
       <p:transition spd="med">
         <p:fade/>
       </p:transition>
@@ -10695,6 +10963,18 @@
   <p:clrMapOvr>
     <a:masterClrMapping/>
   </p:clrMapOvr>
+  <mc:AlternateContent xmlns:mc="http://schemas.openxmlformats.org/markup-compatibility/2006">
+    <mc:Choice xmlns:p14="http://schemas.microsoft.com/office/powerpoint/2010/main" Requires="p14">
+      <p:transition spd="med" p14:dur="700">
+        <p:fade/>
+      </p:transition>
+    </mc:Choice>
+    <mc:Fallback>
+      <p:transition spd="med">
+        <p:fade/>
+      </p:transition>
+    </mc:Fallback>
+  </mc:AlternateContent>
   <p:timing>
     <p:tnLst>
       <p:par>
@@ -11060,13 +11340,13 @@
   <p:clrMapOvr>
     <a:masterClrMapping/>
   </p:clrMapOvr>
-  <mc:AlternateContent xmlns:mc="http://schemas.openxmlformats.org/markup-compatibility/2006" xmlns:p14="http://schemas.microsoft.com/office/powerpoint/2010/main">
-    <mc:Choice Requires="p14">
+  <mc:AlternateContent xmlns:mc="http://schemas.openxmlformats.org/markup-compatibility/2006">
+    <mc:Choice xmlns:p14="http://schemas.microsoft.com/office/powerpoint/2010/main" Requires="p14">
       <p:transition spd="med" p14:dur="700">
         <p:fade/>
       </p:transition>
     </mc:Choice>
-    <mc:Fallback xmlns="">
+    <mc:Fallback>
       <p:transition spd="med">
         <p:fade/>
       </p:transition>
@@ -11459,13 +11739,13 @@
   <p:clrMapOvr>
     <a:masterClrMapping/>
   </p:clrMapOvr>
-  <mc:AlternateContent xmlns:mc="http://schemas.openxmlformats.org/markup-compatibility/2006" xmlns:p14="http://schemas.microsoft.com/office/powerpoint/2010/main">
-    <mc:Choice Requires="p14">
+  <mc:AlternateContent xmlns:mc="http://schemas.openxmlformats.org/markup-compatibility/2006">
+    <mc:Choice xmlns:p14="http://schemas.microsoft.com/office/powerpoint/2010/main" Requires="p14">
       <p:transition spd="med" p14:dur="700">
         <p:fade/>
       </p:transition>
     </mc:Choice>
-    <mc:Fallback xmlns="">
+    <mc:Fallback>
       <p:transition spd="med">
         <p:fade/>
       </p:transition>
@@ -11966,13 +12246,13 @@
   <p:clrMapOvr>
     <a:masterClrMapping/>
   </p:clrMapOvr>
-  <mc:AlternateContent xmlns:mc="http://schemas.openxmlformats.org/markup-compatibility/2006" xmlns:p14="http://schemas.microsoft.com/office/powerpoint/2010/main">
-    <mc:Choice Requires="p14">
+  <mc:AlternateContent xmlns:mc="http://schemas.openxmlformats.org/markup-compatibility/2006">
+    <mc:Choice xmlns:p14="http://schemas.microsoft.com/office/powerpoint/2010/main" Requires="p14">
       <p:transition spd="med" p14:dur="700">
         <p:fade/>
       </p:transition>
     </mc:Choice>
-    <mc:Fallback xmlns="">
+    <mc:Fallback>
       <p:transition spd="med">
         <p:fade/>
       </p:transition>
@@ -12587,13 +12867,13 @@
   <p:clrMapOvr>
     <a:masterClrMapping/>
   </p:clrMapOvr>
-  <mc:AlternateContent xmlns:mc="http://schemas.openxmlformats.org/markup-compatibility/2006" xmlns:p14="http://schemas.microsoft.com/office/powerpoint/2010/main">
-    <mc:Choice Requires="p14">
+  <mc:AlternateContent xmlns:mc="http://schemas.openxmlformats.org/markup-compatibility/2006">
+    <mc:Choice xmlns:p14="http://schemas.microsoft.com/office/powerpoint/2010/main" Requires="p14">
       <p:transition spd="med" p14:dur="700">
         <p:fade/>
       </p:transition>
     </mc:Choice>
-    <mc:Fallback xmlns="">
+    <mc:Fallback>
       <p:transition spd="med">
         <p:fade/>
       </p:transition>
@@ -12669,6 +12949,18 @@
   <p:clrMapOvr>
     <a:masterClrMapping/>
   </p:clrMapOvr>
+  <mc:AlternateContent xmlns:mc="http://schemas.openxmlformats.org/markup-compatibility/2006">
+    <mc:Choice xmlns:p14="http://schemas.microsoft.com/office/powerpoint/2010/main" Requires="p14">
+      <p:transition spd="med" p14:dur="700">
+        <p:fade/>
+      </p:transition>
+    </mc:Choice>
+    <mc:Fallback>
+      <p:transition spd="med">
+        <p:fade/>
+      </p:transition>
+    </mc:Fallback>
+  </mc:AlternateContent>
 </p:sld>
 </file>
 
@@ -13180,13 +13472,13 @@
   <p:clrMapOvr>
     <a:masterClrMapping/>
   </p:clrMapOvr>
-  <mc:AlternateContent xmlns:mc="http://schemas.openxmlformats.org/markup-compatibility/2006" xmlns:p14="http://schemas.microsoft.com/office/powerpoint/2010/main">
-    <mc:Choice Requires="p14">
+  <mc:AlternateContent xmlns:mc="http://schemas.openxmlformats.org/markup-compatibility/2006">
+    <mc:Choice xmlns:p14="http://schemas.microsoft.com/office/powerpoint/2010/main" Requires="p14">
       <p:transition spd="med" p14:dur="700">
         <p:fade/>
       </p:transition>
     </mc:Choice>
-    <mc:Fallback xmlns="">
+    <mc:Fallback>
       <p:transition spd="med">
         <p:fade/>
       </p:transition>
@@ -13667,13 +13959,13 @@
   <p:clrMapOvr>
     <a:masterClrMapping/>
   </p:clrMapOvr>
-  <mc:AlternateContent xmlns:mc="http://schemas.openxmlformats.org/markup-compatibility/2006" xmlns:p14="http://schemas.microsoft.com/office/powerpoint/2010/main">
-    <mc:Choice Requires="p14">
+  <mc:AlternateContent xmlns:mc="http://schemas.openxmlformats.org/markup-compatibility/2006">
+    <mc:Choice xmlns:p14="http://schemas.microsoft.com/office/powerpoint/2010/main" Requires="p14">
       <p:transition spd="med" p14:dur="700">
         <p:fade/>
       </p:transition>
     </mc:Choice>
-    <mc:Fallback xmlns="">
+    <mc:Fallback>
       <p:transition spd="med">
         <p:fade/>
       </p:transition>
@@ -14069,6 +14361,18 @@
   <p:clrMapOvr>
     <a:masterClrMapping/>
   </p:clrMapOvr>
+  <mc:AlternateContent xmlns:mc="http://schemas.openxmlformats.org/markup-compatibility/2006">
+    <mc:Choice xmlns:p14="http://schemas.microsoft.com/office/powerpoint/2010/main" Requires="p14">
+      <p:transition spd="med" p14:dur="700">
+        <p:fade/>
+      </p:transition>
+    </mc:Choice>
+    <mc:Fallback>
+      <p:transition spd="med">
+        <p:fade/>
+      </p:transition>
+    </mc:Fallback>
+  </mc:AlternateContent>
 </p:sld>
 </file>
 
@@ -14179,13 +14483,13 @@
   <p:clrMapOvr>
     <a:masterClrMapping/>
   </p:clrMapOvr>
-  <mc:AlternateContent xmlns:mc="http://schemas.openxmlformats.org/markup-compatibility/2006" xmlns:p14="http://schemas.microsoft.com/office/powerpoint/2010/main">
-    <mc:Choice Requires="p14">
+  <mc:AlternateContent xmlns:mc="http://schemas.openxmlformats.org/markup-compatibility/2006">
+    <mc:Choice xmlns:p14="http://schemas.microsoft.com/office/powerpoint/2010/main" Requires="p14">
       <p:transition spd="med" p14:dur="700">
         <p:fade/>
       </p:transition>
     </mc:Choice>
-    <mc:Fallback xmlns="">
+    <mc:Fallback>
       <p:transition spd="med">
         <p:fade/>
       </p:transition>
@@ -14297,7 +14601,7 @@
                 </a:solidFill>
                 <a:latin typeface="Consolas" panose="020B0609020204030204" pitchFamily="49" charset="0"/>
               </a:rPr>
-              <a:t>// = True</a:t>
+              <a:t>// = true</a:t>
             </a:r>
           </a:p>
           <a:p>
@@ -14314,7 +14618,7 @@
                 </a:solidFill>
                 <a:latin typeface="Consolas" panose="020B0609020204030204" pitchFamily="49" charset="0"/>
               </a:rPr>
-              <a:t>// = False</a:t>
+              <a:t>// = false</a:t>
             </a:r>
           </a:p>
         </p:txBody>
@@ -14523,6 +14827,18 @@
   <p:clrMapOvr>
     <a:masterClrMapping/>
   </p:clrMapOvr>
+  <mc:AlternateContent xmlns:mc="http://schemas.openxmlformats.org/markup-compatibility/2006">
+    <mc:Choice xmlns:p14="http://schemas.microsoft.com/office/powerpoint/2010/main" Requires="p14">
+      <p:transition spd="med" p14:dur="700">
+        <p:fade/>
+      </p:transition>
+    </mc:Choice>
+    <mc:Fallback>
+      <p:transition spd="med">
+        <p:fade/>
+      </p:transition>
+    </mc:Fallback>
+  </mc:AlternateContent>
 </p:sld>
 </file>
 
@@ -14855,6 +15171,18 @@
   <p:clrMapOvr>
     <a:masterClrMapping/>
   </p:clrMapOvr>
+  <mc:AlternateContent xmlns:mc="http://schemas.openxmlformats.org/markup-compatibility/2006">
+    <mc:Choice xmlns:p14="http://schemas.microsoft.com/office/powerpoint/2010/main" Requires="p14">
+      <p:transition spd="med" p14:dur="700">
+        <p:fade/>
+      </p:transition>
+    </mc:Choice>
+    <mc:Fallback>
+      <p:transition spd="med">
+        <p:fade/>
+      </p:transition>
+    </mc:Fallback>
+  </mc:AlternateContent>
 </p:sld>
 </file>
 
@@ -15455,6 +15783,18 @@
   <p:clrMapOvr>
     <a:masterClrMapping/>
   </p:clrMapOvr>
+  <mc:AlternateContent xmlns:mc="http://schemas.openxmlformats.org/markup-compatibility/2006">
+    <mc:Choice xmlns:p14="http://schemas.microsoft.com/office/powerpoint/2010/main" Requires="p14">
+      <p:transition spd="med" p14:dur="700">
+        <p:fade/>
+      </p:transition>
+    </mc:Choice>
+    <mc:Fallback>
+      <p:transition spd="med">
+        <p:fade/>
+      </p:transition>
+    </mc:Fallback>
+  </mc:AlternateContent>
 </p:sld>
 </file>
 
@@ -16055,13 +16395,13 @@
   <p:clrMapOvr>
     <a:masterClrMapping/>
   </p:clrMapOvr>
-  <mc:AlternateContent xmlns:mc="http://schemas.openxmlformats.org/markup-compatibility/2006" xmlns:p14="http://schemas.microsoft.com/office/powerpoint/2010/main">
-    <mc:Choice Requires="p14">
+  <mc:AlternateContent xmlns:mc="http://schemas.openxmlformats.org/markup-compatibility/2006">
+    <mc:Choice xmlns:p14="http://schemas.microsoft.com/office/powerpoint/2010/main" Requires="p14">
       <p:transition spd="med" p14:dur="700">
         <p:fade/>
       </p:transition>
     </mc:Choice>
-    <mc:Fallback xmlns="">
+    <mc:Fallback>
       <p:transition spd="med">
         <p:fade/>
       </p:transition>
@@ -16667,6 +17007,18 @@
   <p:clrMapOvr>
     <a:masterClrMapping/>
   </p:clrMapOvr>
+  <mc:AlternateContent xmlns:mc="http://schemas.openxmlformats.org/markup-compatibility/2006">
+    <mc:Choice xmlns:p14="http://schemas.microsoft.com/office/powerpoint/2010/main" Requires="p14">
+      <p:transition spd="med" p14:dur="700">
+        <p:fade/>
+      </p:transition>
+    </mc:Choice>
+    <mc:Fallback>
+      <p:transition spd="med">
+        <p:fade/>
+      </p:transition>
+    </mc:Fallback>
+  </mc:AlternateContent>
 </p:sld>
 </file>
 
@@ -17267,13 +17619,13 @@
   <p:clrMapOvr>
     <a:masterClrMapping/>
   </p:clrMapOvr>
-  <mc:AlternateContent xmlns:mc="http://schemas.openxmlformats.org/markup-compatibility/2006" xmlns:p14="http://schemas.microsoft.com/office/powerpoint/2010/main">
-    <mc:Choice Requires="p14">
+  <mc:AlternateContent xmlns:mc="http://schemas.openxmlformats.org/markup-compatibility/2006">
+    <mc:Choice xmlns:p14="http://schemas.microsoft.com/office/powerpoint/2010/main" Requires="p14">
       <p:transition spd="med" p14:dur="700">
         <p:fade/>
       </p:transition>
     </mc:Choice>
-    <mc:Fallback xmlns="">
+    <mc:Fallback>
       <p:transition spd="med">
         <p:fade/>
       </p:transition>
@@ -17443,13 +17795,13 @@
   <p:clrMapOvr>
     <a:masterClrMapping/>
   </p:clrMapOvr>
-  <mc:AlternateContent xmlns:mc="http://schemas.openxmlformats.org/markup-compatibility/2006" xmlns:p14="http://schemas.microsoft.com/office/powerpoint/2010/main">
-    <mc:Choice Requires="p14">
+  <mc:AlternateContent xmlns:mc="http://schemas.openxmlformats.org/markup-compatibility/2006">
+    <mc:Choice xmlns:p14="http://schemas.microsoft.com/office/powerpoint/2010/main" Requires="p14">
       <p:transition spd="med" p14:dur="700">
         <p:fade/>
       </p:transition>
     </mc:Choice>
-    <mc:Fallback xmlns="">
+    <mc:Fallback>
       <p:transition spd="med">
         <p:fade/>
       </p:transition>
@@ -17918,6 +18270,18 @@
   <p:clrMapOvr>
     <a:masterClrMapping/>
   </p:clrMapOvr>
+  <mc:AlternateContent xmlns:mc="http://schemas.openxmlformats.org/markup-compatibility/2006">
+    <mc:Choice xmlns:p14="http://schemas.microsoft.com/office/powerpoint/2010/main" Requires="p14">
+      <p:transition spd="med" p14:dur="700">
+        <p:fade/>
+      </p:transition>
+    </mc:Choice>
+    <mc:Fallback>
+      <p:transition spd="med">
+        <p:fade/>
+      </p:transition>
+    </mc:Fallback>
+  </mc:AlternateContent>
 </p:sld>
 </file>
 
@@ -18431,6 +18795,18 @@
   <p:clrMapOvr>
     <a:masterClrMapping/>
   </p:clrMapOvr>
+  <mc:AlternateContent xmlns:mc="http://schemas.openxmlformats.org/markup-compatibility/2006">
+    <mc:Choice xmlns:p14="http://schemas.microsoft.com/office/powerpoint/2010/main" Requires="p14">
+      <p:transition spd="med" p14:dur="700">
+        <p:fade/>
+      </p:transition>
+    </mc:Choice>
+    <mc:Fallback>
+      <p:transition spd="med">
+        <p:fade/>
+      </p:transition>
+    </mc:Fallback>
+  </mc:AlternateContent>
   <p:timing>
     <p:tnLst>
       <p:par>
@@ -19072,13 +19448,13 @@
   <p:clrMapOvr>
     <a:masterClrMapping/>
   </p:clrMapOvr>
-  <mc:AlternateContent xmlns:mc="http://schemas.openxmlformats.org/markup-compatibility/2006" xmlns:p14="http://schemas.microsoft.com/office/powerpoint/2010/main">
-    <mc:Choice Requires="p14">
+  <mc:AlternateContent xmlns:mc="http://schemas.openxmlformats.org/markup-compatibility/2006">
+    <mc:Choice xmlns:p14="http://schemas.microsoft.com/office/powerpoint/2010/main" Requires="p14">
       <p:transition spd="med" p14:dur="700">
         <p:fade/>
       </p:transition>
     </mc:Choice>
-    <mc:Fallback xmlns="">
+    <mc:Fallback>
       <p:transition spd="med">
         <p:fade/>
       </p:transition>
@@ -19861,13 +20237,13 @@
   <p:clrMapOvr>
     <a:masterClrMapping/>
   </p:clrMapOvr>
-  <mc:AlternateContent xmlns:mc="http://schemas.openxmlformats.org/markup-compatibility/2006" xmlns:p14="http://schemas.microsoft.com/office/powerpoint/2010/main">
-    <mc:Choice Requires="p14">
+  <mc:AlternateContent xmlns:mc="http://schemas.openxmlformats.org/markup-compatibility/2006">
+    <mc:Choice xmlns:p14="http://schemas.microsoft.com/office/powerpoint/2010/main" Requires="p14">
       <p:transition spd="med" p14:dur="700">
         <p:fade/>
       </p:transition>
     </mc:Choice>
-    <mc:Fallback xmlns="">
+    <mc:Fallback>
       <p:transition spd="med">
         <p:fade/>
       </p:transition>
@@ -20099,12 +20475,16 @@
   <p:clrMapOvr>
     <a:masterClrMapping/>
   </p:clrMapOvr>
-  <mc:AlternateContent xmlns:mc="http://schemas.openxmlformats.org/markup-compatibility/2006" xmlns:p14="http://schemas.microsoft.com/office/powerpoint/2010/main">
-    <mc:Choice Requires="p14">
-      <p:transition p14:dur="10"/>
+  <mc:AlternateContent xmlns:mc="http://schemas.openxmlformats.org/markup-compatibility/2006">
+    <mc:Choice xmlns:p14="http://schemas.microsoft.com/office/powerpoint/2010/main" Requires="p14">
+      <p:transition spd="med" p14:dur="700">
+        <p:fade/>
+      </p:transition>
     </mc:Choice>
-    <mc:Fallback xmlns="">
-      <p:transition/>
+    <mc:Fallback>
+      <p:transition spd="med">
+        <p:fade/>
+      </p:transition>
     </mc:Fallback>
   </mc:AlternateContent>
   <p:timing>
@@ -20354,6 +20734,18 @@
   <p:clrMapOvr>
     <a:masterClrMapping/>
   </p:clrMapOvr>
+  <mc:AlternateContent xmlns:mc="http://schemas.openxmlformats.org/markup-compatibility/2006">
+    <mc:Choice xmlns:p14="http://schemas.microsoft.com/office/powerpoint/2010/main" Requires="p14">
+      <p:transition spd="med" p14:dur="700">
+        <p:fade/>
+      </p:transition>
+    </mc:Choice>
+    <mc:Fallback>
+      <p:transition spd="med">
+        <p:fade/>
+      </p:transition>
+    </mc:Fallback>
+  </mc:AlternateContent>
 </p:sld>
 </file>
 
@@ -20455,13 +20847,13 @@
   <p:clrMapOvr>
     <a:masterClrMapping/>
   </p:clrMapOvr>
-  <mc:AlternateContent xmlns:mc="http://schemas.openxmlformats.org/markup-compatibility/2006" xmlns:p14="http://schemas.microsoft.com/office/powerpoint/2010/main">
-    <mc:Choice Requires="p14">
+  <mc:AlternateContent xmlns:mc="http://schemas.openxmlformats.org/markup-compatibility/2006">
+    <mc:Choice xmlns:p14="http://schemas.microsoft.com/office/powerpoint/2010/main" Requires="p14">
       <p:transition spd="med" p14:dur="700">
         <p:fade/>
       </p:transition>
     </mc:Choice>
-    <mc:Fallback xmlns="">
+    <mc:Fallback>
       <p:transition spd="med">
         <p:fade/>
       </p:transition>
@@ -20573,13 +20965,13 @@
   <p:clrMapOvr>
     <a:masterClrMapping/>
   </p:clrMapOvr>
-  <mc:AlternateContent xmlns:mc="http://schemas.openxmlformats.org/markup-compatibility/2006" xmlns:p14="http://schemas.microsoft.com/office/powerpoint/2010/main">
-    <mc:Choice Requires="p14">
+  <mc:AlternateContent xmlns:mc="http://schemas.openxmlformats.org/markup-compatibility/2006">
+    <mc:Choice xmlns:p14="http://schemas.microsoft.com/office/powerpoint/2010/main" Requires="p14">
       <p:transition spd="med" p14:dur="700">
         <p:fade/>
       </p:transition>
     </mc:Choice>
-    <mc:Fallback xmlns="">
+    <mc:Fallback>
       <p:transition spd="med">
         <p:fade/>
       </p:transition>
